--- a/Weekly Reports/2020.01.07 - 2020.01.14.pptx
+++ b/Weekly Reports/2020.01.07 - 2020.01.14.pptx
@@ -206,7 +206,7 @@
           <a:p>
             <a:fld id="{6967AB47-6931-48C6-B7ED-326D1228AFBA}" type="datetimeFigureOut">
               <a:rPr lang="tr-TR" smtClean="0"/>
-              <a:t>14.01.2020</a:t>
+              <a:t>15.01.2020</a:t>
             </a:fld>
             <a:endParaRPr lang="tr-TR"/>
           </a:p>
@@ -605,7 +605,7 @@
           <a:p>
             <a:fld id="{BD3B3769-65FE-41EA-85B6-D9F2AF76CBA9}" type="datetime1">
               <a:rPr lang="tr-TR" smtClean="0"/>
-              <a:t>14.01.2020</a:t>
+              <a:t>15.01.2020</a:t>
             </a:fld>
             <a:endParaRPr lang="tr-TR"/>
           </a:p>
@@ -775,7 +775,7 @@
           <a:p>
             <a:fld id="{2962A6A9-D976-4BDA-B10C-66B2B9DE9B4C}" type="datetime1">
               <a:rPr lang="tr-TR" smtClean="0"/>
-              <a:t>14.01.2020</a:t>
+              <a:t>15.01.2020</a:t>
             </a:fld>
             <a:endParaRPr lang="tr-TR"/>
           </a:p>
@@ -955,7 +955,7 @@
           <a:p>
             <a:fld id="{5600552A-E4D4-4B40-9929-1D3FB71F71FF}" type="datetime1">
               <a:rPr lang="tr-TR" smtClean="0"/>
-              <a:t>14.01.2020</a:t>
+              <a:t>15.01.2020</a:t>
             </a:fld>
             <a:endParaRPr lang="tr-TR"/>
           </a:p>
@@ -1125,7 +1125,7 @@
           <a:p>
             <a:fld id="{F9A85ECC-3CE4-4AD0-8EC5-3A36763AA76F}" type="datetime1">
               <a:rPr lang="tr-TR" smtClean="0"/>
-              <a:t>14.01.2020</a:t>
+              <a:t>15.01.2020</a:t>
             </a:fld>
             <a:endParaRPr lang="tr-TR"/>
           </a:p>
@@ -1371,7 +1371,7 @@
           <a:p>
             <a:fld id="{39F6AA4B-9646-44CC-B325-B50A183D6636}" type="datetime1">
               <a:rPr lang="tr-TR" smtClean="0"/>
-              <a:t>14.01.2020</a:t>
+              <a:t>15.01.2020</a:t>
             </a:fld>
             <a:endParaRPr lang="tr-TR"/>
           </a:p>
@@ -1603,7 +1603,7 @@
           <a:p>
             <a:fld id="{FD69D89B-A78C-481C-B4BE-82E51E30BA9C}" type="datetime1">
               <a:rPr lang="tr-TR" smtClean="0"/>
-              <a:t>14.01.2020</a:t>
+              <a:t>15.01.2020</a:t>
             </a:fld>
             <a:endParaRPr lang="tr-TR"/>
           </a:p>
@@ -1970,7 +1970,7 @@
           <a:p>
             <a:fld id="{473BE270-57FE-4717-982D-F02DFB5BECD5}" type="datetime1">
               <a:rPr lang="tr-TR" smtClean="0"/>
-              <a:t>14.01.2020</a:t>
+              <a:t>15.01.2020</a:t>
             </a:fld>
             <a:endParaRPr lang="tr-TR"/>
           </a:p>
@@ -2088,7 +2088,7 @@
           <a:p>
             <a:fld id="{BFAEDD45-6991-4862-9E84-DDF92EF341CB}" type="datetime1">
               <a:rPr lang="tr-TR" smtClean="0"/>
-              <a:t>14.01.2020</a:t>
+              <a:t>15.01.2020</a:t>
             </a:fld>
             <a:endParaRPr lang="tr-TR"/>
           </a:p>
@@ -2183,7 +2183,7 @@
           <a:p>
             <a:fld id="{23EE56C6-14E9-4870-96BE-3550760A1300}" type="datetime1">
               <a:rPr lang="tr-TR" smtClean="0"/>
-              <a:t>14.01.2020</a:t>
+              <a:t>15.01.2020</a:t>
             </a:fld>
             <a:endParaRPr lang="tr-TR"/>
           </a:p>
@@ -2460,7 +2460,7 @@
           <a:p>
             <a:fld id="{5EB3015D-7E17-406D-9A1A-3B2ADCD0CF79}" type="datetime1">
               <a:rPr lang="tr-TR" smtClean="0"/>
-              <a:t>14.01.2020</a:t>
+              <a:t>15.01.2020</a:t>
             </a:fld>
             <a:endParaRPr lang="tr-TR"/>
           </a:p>
@@ -2713,7 +2713,7 @@
           <a:p>
             <a:fld id="{8E1B6673-63A0-461F-BFBD-58F4D74CC1A0}" type="datetime1">
               <a:rPr lang="tr-TR" smtClean="0"/>
-              <a:t>14.01.2020</a:t>
+              <a:t>15.01.2020</a:t>
             </a:fld>
             <a:endParaRPr lang="tr-TR"/>
           </a:p>
@@ -2926,7 +2926,7 @@
           <a:p>
             <a:fld id="{9E8EF2ED-7087-4201-9521-97BB02159B09}" type="datetime1">
               <a:rPr lang="tr-TR" smtClean="0"/>
-              <a:t>14.01.2020</a:t>
+              <a:t>15.01.2020</a:t>
             </a:fld>
             <a:endParaRPr lang="tr-TR"/>
           </a:p>
@@ -3830,11 +3830,7 @@
                       <a:pPr algn="ctr"/>
                       <a:r>
                         <a:rPr lang="tr-TR" dirty="0" smtClean="0"/>
-                        <a:t>(1 Hz</a:t>
-                      </a:r>
-                      <a:r>
-                        <a:rPr lang="tr-TR" dirty="0" smtClean="0"/>
-                        <a:t>)</a:t>
+                        <a:t>(1 Hz)</a:t>
                       </a:r>
                       <a:endParaRPr lang="tr-TR" dirty="0"/>
                     </a:p>
@@ -3862,11 +3858,7 @@
                     <a:p>
                       <a:r>
                         <a:rPr lang="tr-TR" dirty="0" smtClean="0"/>
-                        <a:t>0.863 </a:t>
-                      </a:r>
-                      <a:r>
-                        <a:rPr lang="tr-TR" dirty="0" smtClean="0"/>
-                        <a:t>nH</a:t>
+                        <a:t>0.863 nH</a:t>
                       </a:r>
                       <a:endParaRPr lang="tr-TR" dirty="0"/>
                     </a:p>
@@ -5149,11 +5141,7 @@
                       <a:pPr algn="ctr"/>
                       <a:r>
                         <a:rPr lang="tr-TR" dirty="0" smtClean="0"/>
-                        <a:t>(1 Hz</a:t>
-                      </a:r>
-                      <a:r>
-                        <a:rPr lang="tr-TR" dirty="0" smtClean="0"/>
-                        <a:t>)</a:t>
+                        <a:t>(1 Hz)</a:t>
                       </a:r>
                       <a:endParaRPr lang="tr-TR" dirty="0"/>
                     </a:p>
@@ -5181,11 +5169,7 @@
                     <a:p>
                       <a:r>
                         <a:rPr lang="tr-TR" dirty="0" smtClean="0"/>
-                        <a:t>0.863 </a:t>
-                      </a:r>
-                      <a:r>
-                        <a:rPr lang="tr-TR" dirty="0" smtClean="0"/>
-                        <a:t>nH</a:t>
+                        <a:t>0.863 nH</a:t>
                       </a:r>
                       <a:endParaRPr lang="tr-TR" dirty="0"/>
                     </a:p>
